--- a/doc/2022.08.18.목.pptx
+++ b/doc/2022.08.18.목.pptx
@@ -8,6 +8,7 @@
     <p:sldId id="256" r:id="rId2"/>
     <p:sldId id="257" r:id="rId3"/>
     <p:sldId id="258" r:id="rId4"/>
+    <p:sldId id="260" r:id="rId5"/>
   </p:sldIdLst>
   <p:sldSz cx="6858000" cy="9144000" type="screen4x3"/>
   <p:notesSz cx="6858000" cy="9144000"/>
@@ -3439,6 +3440,233 @@
 </p:sld>
 </file>
 
+<file path=ppt/slides/slide4.xml><?xml version="1.0" encoding="utf-8"?>
+<p:sld xmlns:a="http://schemas.openxmlformats.org/drawingml/2006/main" xmlns:r="http://schemas.openxmlformats.org/officeDocument/2006/relationships" xmlns:p="http://schemas.openxmlformats.org/presentationml/2006/main">
+  <p:cSld>
+    <p:spTree>
+      <p:nvGrpSpPr>
+        <p:cNvPr id="1" name=""/>
+        <p:cNvGrpSpPr/>
+        <p:nvPr/>
+      </p:nvGrpSpPr>
+      <p:grpSpPr>
+        <a:xfrm>
+          <a:off x="0" y="0"/>
+          <a:ext cx="0" cy="0"/>
+          <a:chOff x="0" y="0"/>
+          <a:chExt cx="0" cy="0"/>
+        </a:xfrm>
+      </p:grpSpPr>
+      <p:sp>
+        <p:nvSpPr>
+          <p:cNvPr id="2" name="제목 1"/>
+          <p:cNvSpPr>
+            <a:spLocks noGrp="1"/>
+          </p:cNvSpPr>
+          <p:nvPr>
+            <p:ph type="title"/>
+          </p:nvPr>
+        </p:nvSpPr>
+        <p:spPr>
+          <a:xfrm>
+            <a:off x="471488" y="1050716"/>
+            <a:ext cx="5915025" cy="1767417"/>
+          </a:xfrm>
+        </p:spPr>
+        <p:txBody>
+          <a:bodyPr>
+            <a:noAutofit/>
+          </a:bodyPr>
+          <a:lstStyle/>
+          <a:p>
+            <a:r>
+              <a:rPr lang="ko-KR" altLang="en-US" sz="9600" dirty="0" smtClean="0">
+                <a:latin typeface="HY견명조" panose="02030600000101010101" pitchFamily="18" charset="-127"/>
+                <a:ea typeface="HY견명조" panose="02030600000101010101" pitchFamily="18" charset="-127"/>
+              </a:rPr>
+              <a:t>관수</a:t>
+            </a:r>
+            <a:r>
+              <a:rPr lang="en-US" altLang="ko-KR" sz="9600" dirty="0" smtClean="0">
+                <a:latin typeface="HY견명조" panose="02030600000101010101" pitchFamily="18" charset="-127"/>
+                <a:ea typeface="HY견명조" panose="02030600000101010101" pitchFamily="18" charset="-127"/>
+              </a:rPr>
+              <a:t/>
+            </a:r>
+            <a:br>
+              <a:rPr lang="en-US" altLang="ko-KR" sz="9600" dirty="0" smtClean="0">
+                <a:latin typeface="HY견명조" panose="02030600000101010101" pitchFamily="18" charset="-127"/>
+                <a:ea typeface="HY견명조" panose="02030600000101010101" pitchFamily="18" charset="-127"/>
+              </a:rPr>
+            </a:br>
+            <a:r>
+              <a:rPr lang="en-US" altLang="ko-KR" sz="9600" dirty="0" smtClean="0">
+                <a:latin typeface="HY견명조" panose="02030600000101010101" pitchFamily="18" charset="-127"/>
+                <a:ea typeface="HY견명조" panose="02030600000101010101" pitchFamily="18" charset="-127"/>
+              </a:rPr>
+              <a:t>(</a:t>
+            </a:r>
+            <a:r>
+              <a:rPr lang="ko-KR" altLang="en-US" sz="9600" dirty="0"/>
+              <a:t>盥漱</a:t>
+            </a:r>
+            <a:r>
+              <a:rPr lang="en-US" altLang="ko-KR" sz="9600" dirty="0" smtClean="0">
+                <a:latin typeface="HY견명조" panose="02030600000101010101" pitchFamily="18" charset="-127"/>
+                <a:ea typeface="HY견명조" panose="02030600000101010101" pitchFamily="18" charset="-127"/>
+              </a:rPr>
+              <a:t>)</a:t>
+            </a:r>
+            <a:endParaRPr lang="ko-KR" altLang="en-US" sz="9600" dirty="0">
+              <a:latin typeface="HY견명조" panose="02030600000101010101" pitchFamily="18" charset="-127"/>
+              <a:ea typeface="HY견명조" panose="02030600000101010101" pitchFamily="18" charset="-127"/>
+            </a:endParaRPr>
+          </a:p>
+        </p:txBody>
+      </p:sp>
+      <p:pic>
+        <p:nvPicPr>
+          <p:cNvPr id="1026" name="Picture 2" descr="폰트별 한자"/>
+          <p:cNvPicPr>
+            <a:picLocks noChangeAspect="1" noChangeArrowheads="1"/>
+          </p:cNvPicPr>
+          <p:nvPr/>
+        </p:nvPicPr>
+        <p:blipFill>
+          <a:blip r:embed="rId2">
+            <a:extLst>
+              <a:ext uri="{28A0092B-C50C-407E-A947-70E740481C1C}">
+                <a14:useLocalDpi xmlns:a14="http://schemas.microsoft.com/office/drawing/2010/main" val="0"/>
+              </a:ext>
+            </a:extLst>
+          </a:blip>
+          <a:srcRect/>
+          <a:stretch>
+            <a:fillRect/>
+          </a:stretch>
+        </p:blipFill>
+        <p:spPr bwMode="auto">
+          <a:xfrm>
+            <a:off x="114011" y="3668509"/>
+            <a:ext cx="1443818" cy="1443819"/>
+          </a:xfrm>
+          <a:prstGeom prst="rect">
+            <a:avLst/>
+          </a:prstGeom>
+          <a:noFill/>
+          <a:extLst>
+            <a:ext uri="{909E8E84-426E-40DD-AFC4-6F175D3DCCD1}">
+              <a14:hiddenFill xmlns:a14="http://schemas.microsoft.com/office/drawing/2010/main">
+                <a:solidFill>
+                  <a:srgbClr val="FFFFFF"/>
+                </a:solidFill>
+              </a14:hiddenFill>
+            </a:ext>
+          </a:extLst>
+        </p:spPr>
+      </p:pic>
+      <p:pic>
+        <p:nvPicPr>
+          <p:cNvPr id="3" name="그림 2"/>
+          <p:cNvPicPr>
+            <a:picLocks noChangeAspect="1"/>
+          </p:cNvPicPr>
+          <p:nvPr/>
+        </p:nvPicPr>
+        <p:blipFill>
+          <a:blip r:embed="rId3"/>
+          <a:stretch>
+            <a:fillRect/>
+          </a:stretch>
+        </p:blipFill>
+        <p:spPr>
+          <a:xfrm>
+            <a:off x="2069869" y="3286123"/>
+            <a:ext cx="4598174" cy="2086266"/>
+          </a:xfrm>
+          <a:prstGeom prst="rect">
+            <a:avLst/>
+          </a:prstGeom>
+        </p:spPr>
+      </p:pic>
+      <p:pic>
+        <p:nvPicPr>
+          <p:cNvPr id="1036" name="Picture 12" descr="폰트별 한자"/>
+          <p:cNvPicPr>
+            <a:picLocks noChangeAspect="1" noChangeArrowheads="1"/>
+          </p:cNvPicPr>
+          <p:nvPr/>
+        </p:nvPicPr>
+        <p:blipFill>
+          <a:blip r:embed="rId4">
+            <a:extLst>
+              <a:ext uri="{28A0092B-C50C-407E-A947-70E740481C1C}">
+                <a14:useLocalDpi xmlns:a14="http://schemas.microsoft.com/office/drawing/2010/main" val="0"/>
+              </a:ext>
+            </a:extLst>
+          </a:blip>
+          <a:srcRect/>
+          <a:stretch>
+            <a:fillRect/>
+          </a:stretch>
+        </p:blipFill>
+        <p:spPr bwMode="auto">
+          <a:xfrm>
+            <a:off x="192982" y="5530331"/>
+            <a:ext cx="1285875" cy="1285876"/>
+          </a:xfrm>
+          <a:prstGeom prst="rect">
+            <a:avLst/>
+          </a:prstGeom>
+          <a:noFill/>
+          <a:extLst>
+            <a:ext uri="{909E8E84-426E-40DD-AFC4-6F175D3DCCD1}">
+              <a14:hiddenFill xmlns:a14="http://schemas.microsoft.com/office/drawing/2010/main">
+                <a:solidFill>
+                  <a:srgbClr val="FFFFFF"/>
+                </a:solidFill>
+              </a14:hiddenFill>
+            </a:ext>
+          </a:extLst>
+        </p:spPr>
+      </p:pic>
+      <p:pic>
+        <p:nvPicPr>
+          <p:cNvPr id="8" name="그림 7"/>
+          <p:cNvPicPr>
+            <a:picLocks noChangeAspect="1"/>
+          </p:cNvPicPr>
+          <p:nvPr/>
+        </p:nvPicPr>
+        <p:blipFill>
+          <a:blip r:embed="rId5"/>
+          <a:stretch>
+            <a:fillRect/>
+          </a:stretch>
+        </p:blipFill>
+        <p:spPr>
+          <a:xfrm>
+            <a:off x="1915001" y="5453471"/>
+            <a:ext cx="4753042" cy="2038635"/>
+          </a:xfrm>
+          <a:prstGeom prst="rect">
+            <a:avLst/>
+          </a:prstGeom>
+        </p:spPr>
+      </p:pic>
+    </p:spTree>
+    <p:extLst>
+      <p:ext uri="{BB962C8B-B14F-4D97-AF65-F5344CB8AC3E}">
+        <p14:creationId xmlns:p14="http://schemas.microsoft.com/office/powerpoint/2010/main" val="2166901911"/>
+      </p:ext>
+    </p:extLst>
+  </p:cSld>
+  <p:clrMapOvr>
+    <a:masterClrMapping/>
+  </p:clrMapOvr>
+</p:sld>
+</file>
+
 <file path=ppt/theme/theme1.xml><?xml version="1.0" encoding="utf-8"?>
 <a:theme xmlns:a="http://schemas.openxmlformats.org/drawingml/2006/main" name="Office 테마">
   <a:themeElements>
